--- a/figures-stata-slides.pptx
+++ b/figures-stata-slides.pptx
@@ -4666,7 +4666,7 @@
           <a:lstStyle/>
           <a:p>
             <a:r>
-              <a:rPr lang="en-US" sz="4000" b="1" dirty="0">
+              <a:rPr lang="en-US" sz="2800" b="1" dirty="0">
                 <a:latin typeface="Tahoma" panose="020B0604030504040204" pitchFamily="34" charset="0"/>
                 <a:ea typeface="Tahoma" panose="020B0604030504040204" pitchFamily="34" charset="0"/>
                 <a:cs typeface="Tahoma" panose="020B0604030504040204" pitchFamily="34" charset="0"/>
@@ -4694,7 +4694,7 @@
         </p:nvSpPr>
         <p:spPr>
           <a:xfrm>
-            <a:off x="838200" y="2434201"/>
+            <a:off x="838197" y="2265037"/>
             <a:ext cx="3822189" cy="3742762"/>
           </a:xfrm>
         </p:spPr>
